--- a/book/images/chapt07/zend-vm.pptx
+++ b/book/images/chapt07/zend-vm.pptx
@@ -6,6 +6,7 @@
   </p:sldMasterIdLst>
   <p:sldIdLst>
     <p:sldId id="256" r:id="rId2"/>
+    <p:sldId id="257" r:id="rId3"/>
   </p:sldIdLst>
   <p:sldSz cx="9144000" cy="6858000" type="screen4x3"/>
   <p:notesSz cx="6858000" cy="9144000"/>
@@ -289,7 +290,7 @@
             <a:fld id="{530820CF-B880-4189-942D-D702A7CBA730}" type="datetimeFigureOut">
               <a:rPr lang="zh-CN" altLang="en-US" smtClean="0"/>
               <a:pPr/>
-              <a:t>2011/8/12</a:t>
+              <a:t>2011/9/3</a:t>
             </a:fld>
             <a:endParaRPr lang="zh-CN" altLang="en-US"/>
           </a:p>
@@ -456,7 +457,7 @@
             <a:fld id="{530820CF-B880-4189-942D-D702A7CBA730}" type="datetimeFigureOut">
               <a:rPr lang="zh-CN" altLang="en-US" smtClean="0"/>
               <a:pPr/>
-              <a:t>2011/8/12</a:t>
+              <a:t>2011/9/3</a:t>
             </a:fld>
             <a:endParaRPr lang="zh-CN" altLang="en-US"/>
           </a:p>
@@ -633,7 +634,7 @@
             <a:fld id="{530820CF-B880-4189-942D-D702A7CBA730}" type="datetimeFigureOut">
               <a:rPr lang="zh-CN" altLang="en-US" smtClean="0"/>
               <a:pPr/>
-              <a:t>2011/8/12</a:t>
+              <a:t>2011/9/3</a:t>
             </a:fld>
             <a:endParaRPr lang="zh-CN" altLang="en-US"/>
           </a:p>
@@ -800,7 +801,7 @@
             <a:fld id="{530820CF-B880-4189-942D-D702A7CBA730}" type="datetimeFigureOut">
               <a:rPr lang="zh-CN" altLang="en-US" smtClean="0"/>
               <a:pPr/>
-              <a:t>2011/8/12</a:t>
+              <a:t>2011/9/3</a:t>
             </a:fld>
             <a:endParaRPr lang="zh-CN" altLang="en-US"/>
           </a:p>
@@ -1043,7 +1044,7 @@
             <a:fld id="{530820CF-B880-4189-942D-D702A7CBA730}" type="datetimeFigureOut">
               <a:rPr lang="zh-CN" altLang="en-US" smtClean="0"/>
               <a:pPr/>
-              <a:t>2011/8/12</a:t>
+              <a:t>2011/9/3</a:t>
             </a:fld>
             <a:endParaRPr lang="zh-CN" altLang="en-US"/>
           </a:p>
@@ -1328,7 +1329,7 @@
             <a:fld id="{530820CF-B880-4189-942D-D702A7CBA730}" type="datetimeFigureOut">
               <a:rPr lang="zh-CN" altLang="en-US" smtClean="0"/>
               <a:pPr/>
-              <a:t>2011/8/12</a:t>
+              <a:t>2011/9/3</a:t>
             </a:fld>
             <a:endParaRPr lang="zh-CN" altLang="en-US"/>
           </a:p>
@@ -1747,7 +1748,7 @@
             <a:fld id="{530820CF-B880-4189-942D-D702A7CBA730}" type="datetimeFigureOut">
               <a:rPr lang="zh-CN" altLang="en-US" smtClean="0"/>
               <a:pPr/>
-              <a:t>2011/8/12</a:t>
+              <a:t>2011/9/3</a:t>
             </a:fld>
             <a:endParaRPr lang="zh-CN" altLang="en-US"/>
           </a:p>
@@ -1862,7 +1863,7 @@
             <a:fld id="{530820CF-B880-4189-942D-D702A7CBA730}" type="datetimeFigureOut">
               <a:rPr lang="zh-CN" altLang="en-US" smtClean="0"/>
               <a:pPr/>
-              <a:t>2011/8/12</a:t>
+              <a:t>2011/9/3</a:t>
             </a:fld>
             <a:endParaRPr lang="zh-CN" altLang="en-US"/>
           </a:p>
@@ -1954,7 +1955,7 @@
             <a:fld id="{530820CF-B880-4189-942D-D702A7CBA730}" type="datetimeFigureOut">
               <a:rPr lang="zh-CN" altLang="en-US" smtClean="0"/>
               <a:pPr/>
-              <a:t>2011/8/12</a:t>
+              <a:t>2011/9/3</a:t>
             </a:fld>
             <a:endParaRPr lang="zh-CN" altLang="en-US"/>
           </a:p>
@@ -2228,7 +2229,7 @@
             <a:fld id="{530820CF-B880-4189-942D-D702A7CBA730}" type="datetimeFigureOut">
               <a:rPr lang="zh-CN" altLang="en-US" smtClean="0"/>
               <a:pPr/>
-              <a:t>2011/8/12</a:t>
+              <a:t>2011/9/3</a:t>
             </a:fld>
             <a:endParaRPr lang="zh-CN" altLang="en-US"/>
           </a:p>
@@ -2478,7 +2479,7 @@
             <a:fld id="{530820CF-B880-4189-942D-D702A7CBA730}" type="datetimeFigureOut">
               <a:rPr lang="zh-CN" altLang="en-US" smtClean="0"/>
               <a:pPr/>
-              <a:t>2011/8/12</a:t>
+              <a:t>2011/9/3</a:t>
             </a:fld>
             <a:endParaRPr lang="zh-CN" altLang="en-US"/>
           </a:p>
@@ -2688,7 +2689,7 @@
             <a:fld id="{530820CF-B880-4189-942D-D702A7CBA730}" type="datetimeFigureOut">
               <a:rPr lang="zh-CN" altLang="en-US" smtClean="0"/>
               <a:pPr/>
-              <a:t>2011/8/12</a:t>
+              <a:t>2011/9/3</a:t>
             </a:fld>
             <a:endParaRPr lang="zh-CN" altLang="en-US"/>
           </a:p>
@@ -3227,11 +3228,7 @@
             <a:pPr algn="ctr"/>
             <a:r>
               <a:rPr lang="zh-CN" altLang="en-US" dirty="0" smtClean="0"/>
-              <a:t>符号</a:t>
-            </a:r>
-            <a:r>
-              <a:rPr lang="zh-CN" altLang="en-US" dirty="0" smtClean="0"/>
-              <a:t>表</a:t>
+              <a:t>符号表</a:t>
             </a:r>
             <a:endParaRPr lang="zh-CN" altLang="en-US" dirty="0"/>
           </a:p>
@@ -3788,6 +3785,1257 @@
             <a:r>
               <a:rPr lang="zh-CN" altLang="en-US" dirty="0" smtClean="0"/>
               <a:t>中间数据层</a:t>
+            </a:r>
+            <a:endParaRPr lang="zh-CN" altLang="en-US" dirty="0"/>
+          </a:p>
+        </p:txBody>
+      </p:sp>
+    </p:spTree>
+  </p:cSld>
+  <p:clrMapOvr>
+    <a:masterClrMapping/>
+  </p:clrMapOvr>
+</p:sld>
+</file>
+
+<file path=ppt/slides/slide2.xml><?xml version="1.0" encoding="utf-8"?>
+<p:sld xmlns:a="http://schemas.openxmlformats.org/drawingml/2006/main" xmlns:r="http://schemas.openxmlformats.org/officeDocument/2006/relationships" xmlns:p="http://schemas.openxmlformats.org/presentationml/2006/main">
+  <p:cSld>
+    <p:spTree>
+      <p:nvGrpSpPr>
+        <p:cNvPr id="1" name=""/>
+        <p:cNvGrpSpPr/>
+        <p:nvPr/>
+      </p:nvGrpSpPr>
+      <p:grpSpPr>
+        <a:xfrm>
+          <a:off x="0" y="0"/>
+          <a:ext cx="0" cy="0"/>
+          <a:chOff x="0" y="0"/>
+          <a:chExt cx="0" cy="0"/>
+        </a:xfrm>
+      </p:grpSpPr>
+      <p:sp>
+        <p:nvSpPr>
+          <p:cNvPr id="7" name="矩形 6"/>
+          <p:cNvSpPr/>
+          <p:nvPr/>
+        </p:nvSpPr>
+        <p:spPr>
+          <a:xfrm>
+            <a:off x="1785918" y="1214422"/>
+            <a:ext cx="1143008" cy="357190"/>
+          </a:xfrm>
+          <a:prstGeom prst="rect">
+            <a:avLst/>
+          </a:prstGeom>
+        </p:spPr>
+        <p:style>
+          <a:lnRef idx="2">
+            <a:schemeClr val="accent1"/>
+          </a:lnRef>
+          <a:fillRef idx="1">
+            <a:schemeClr val="lt1"/>
+          </a:fillRef>
+          <a:effectRef idx="0">
+            <a:schemeClr val="accent1"/>
+          </a:effectRef>
+          <a:fontRef idx="minor">
+            <a:schemeClr val="dk1"/>
+          </a:fontRef>
+        </p:style>
+        <p:txBody>
+          <a:bodyPr rtlCol="0" anchor="ctr"/>
+          <a:lstStyle/>
+          <a:p>
+            <a:pPr algn="ctr"/>
+            <a:r>
+              <a:rPr lang="en-US" altLang="zh-CN" dirty="0" smtClean="0"/>
+              <a:t>OPCODE</a:t>
+            </a:r>
+            <a:endParaRPr lang="zh-CN" altLang="en-US" dirty="0"/>
+          </a:p>
+        </p:txBody>
+      </p:sp>
+      <p:sp>
+        <p:nvSpPr>
+          <p:cNvPr id="8" name="矩形 7"/>
+          <p:cNvSpPr/>
+          <p:nvPr/>
+        </p:nvSpPr>
+        <p:spPr>
+          <a:xfrm>
+            <a:off x="1785918" y="1571612"/>
+            <a:ext cx="1143008" cy="357190"/>
+          </a:xfrm>
+          <a:prstGeom prst="rect">
+            <a:avLst/>
+          </a:prstGeom>
+        </p:spPr>
+        <p:style>
+          <a:lnRef idx="2">
+            <a:schemeClr val="accent1"/>
+          </a:lnRef>
+          <a:fillRef idx="1">
+            <a:schemeClr val="lt1"/>
+          </a:fillRef>
+          <a:effectRef idx="0">
+            <a:schemeClr val="accent1"/>
+          </a:effectRef>
+          <a:fontRef idx="minor">
+            <a:schemeClr val="dk1"/>
+          </a:fontRef>
+        </p:style>
+        <p:txBody>
+          <a:bodyPr rtlCol="0" anchor="ctr"/>
+          <a:lstStyle/>
+          <a:p>
+            <a:pPr algn="ctr"/>
+            <a:endParaRPr lang="zh-CN" altLang="en-US"/>
+          </a:p>
+        </p:txBody>
+      </p:sp>
+      <p:sp>
+        <p:nvSpPr>
+          <p:cNvPr id="11" name="矩形 10"/>
+          <p:cNvSpPr/>
+          <p:nvPr/>
+        </p:nvSpPr>
+        <p:spPr>
+          <a:xfrm>
+            <a:off x="1785918" y="1928802"/>
+            <a:ext cx="1143008" cy="357190"/>
+          </a:xfrm>
+          <a:prstGeom prst="rect">
+            <a:avLst/>
+          </a:prstGeom>
+        </p:spPr>
+        <p:style>
+          <a:lnRef idx="2">
+            <a:schemeClr val="accent1"/>
+          </a:lnRef>
+          <a:fillRef idx="1">
+            <a:schemeClr val="lt1"/>
+          </a:fillRef>
+          <a:effectRef idx="0">
+            <a:schemeClr val="accent1"/>
+          </a:effectRef>
+          <a:fontRef idx="minor">
+            <a:schemeClr val="dk1"/>
+          </a:fontRef>
+        </p:style>
+        <p:txBody>
+          <a:bodyPr rtlCol="0" anchor="ctr"/>
+          <a:lstStyle/>
+          <a:p>
+            <a:pPr algn="ctr"/>
+            <a:r>
+              <a:rPr lang="en-US" altLang="zh-CN" sz="1600" dirty="0" smtClean="0"/>
+              <a:t>A</a:t>
+            </a:r>
+            <a:r>
+              <a:rPr lang="zh-CN" altLang="en-US" sz="1600" dirty="0" smtClean="0"/>
+              <a:t>函数调用</a:t>
+            </a:r>
+            <a:endParaRPr lang="zh-CN" altLang="en-US" sz="1600" dirty="0"/>
+          </a:p>
+        </p:txBody>
+      </p:sp>
+      <p:sp>
+        <p:nvSpPr>
+          <p:cNvPr id="16" name="矩形 15"/>
+          <p:cNvSpPr/>
+          <p:nvPr/>
+        </p:nvSpPr>
+        <p:spPr>
+          <a:xfrm>
+            <a:off x="1785918" y="2285992"/>
+            <a:ext cx="1143008" cy="357190"/>
+          </a:xfrm>
+          <a:prstGeom prst="rect">
+            <a:avLst/>
+          </a:prstGeom>
+        </p:spPr>
+        <p:style>
+          <a:lnRef idx="2">
+            <a:schemeClr val="accent1"/>
+          </a:lnRef>
+          <a:fillRef idx="1">
+            <a:schemeClr val="lt1"/>
+          </a:fillRef>
+          <a:effectRef idx="0">
+            <a:schemeClr val="accent1"/>
+          </a:effectRef>
+          <a:fontRef idx="minor">
+            <a:schemeClr val="dk1"/>
+          </a:fontRef>
+        </p:style>
+        <p:txBody>
+          <a:bodyPr rtlCol="0" anchor="ctr"/>
+          <a:lstStyle/>
+          <a:p>
+            <a:pPr algn="ctr"/>
+            <a:endParaRPr lang="zh-CN" altLang="en-US"/>
+          </a:p>
+        </p:txBody>
+      </p:sp>
+      <p:sp>
+        <p:nvSpPr>
+          <p:cNvPr id="17" name="矩形 16"/>
+          <p:cNvSpPr/>
+          <p:nvPr/>
+        </p:nvSpPr>
+        <p:spPr>
+          <a:xfrm>
+            <a:off x="1785918" y="2643182"/>
+            <a:ext cx="1143008" cy="357190"/>
+          </a:xfrm>
+          <a:prstGeom prst="rect">
+            <a:avLst/>
+          </a:prstGeom>
+        </p:spPr>
+        <p:style>
+          <a:lnRef idx="2">
+            <a:schemeClr val="accent1"/>
+          </a:lnRef>
+          <a:fillRef idx="1">
+            <a:schemeClr val="lt1"/>
+          </a:fillRef>
+          <a:effectRef idx="0">
+            <a:schemeClr val="accent1"/>
+          </a:effectRef>
+          <a:fontRef idx="minor">
+            <a:schemeClr val="dk1"/>
+          </a:fontRef>
+        </p:style>
+        <p:txBody>
+          <a:bodyPr rtlCol="0" anchor="ctr"/>
+          <a:lstStyle/>
+          <a:p>
+            <a:pPr algn="ctr"/>
+            <a:endParaRPr lang="zh-CN" altLang="en-US"/>
+          </a:p>
+        </p:txBody>
+      </p:sp>
+      <p:sp>
+        <p:nvSpPr>
+          <p:cNvPr id="18" name="矩形 17"/>
+          <p:cNvSpPr/>
+          <p:nvPr/>
+        </p:nvSpPr>
+        <p:spPr>
+          <a:xfrm>
+            <a:off x="1785918" y="3000372"/>
+            <a:ext cx="1143008" cy="357190"/>
+          </a:xfrm>
+          <a:prstGeom prst="rect">
+            <a:avLst/>
+          </a:prstGeom>
+        </p:spPr>
+        <p:style>
+          <a:lnRef idx="2">
+            <a:schemeClr val="accent1"/>
+          </a:lnRef>
+          <a:fillRef idx="1">
+            <a:schemeClr val="lt1"/>
+          </a:fillRef>
+          <a:effectRef idx="0">
+            <a:schemeClr val="accent1"/>
+          </a:effectRef>
+          <a:fontRef idx="minor">
+            <a:schemeClr val="dk1"/>
+          </a:fontRef>
+        </p:style>
+        <p:txBody>
+          <a:bodyPr rtlCol="0" anchor="ctr"/>
+          <a:lstStyle/>
+          <a:p>
+            <a:pPr algn="ctr"/>
+            <a:endParaRPr lang="zh-CN" altLang="en-US"/>
+          </a:p>
+        </p:txBody>
+      </p:sp>
+      <p:sp>
+        <p:nvSpPr>
+          <p:cNvPr id="19" name="矩形 18"/>
+          <p:cNvSpPr/>
+          <p:nvPr/>
+        </p:nvSpPr>
+        <p:spPr>
+          <a:xfrm>
+            <a:off x="1785918" y="3357562"/>
+            <a:ext cx="1143008" cy="357190"/>
+          </a:xfrm>
+          <a:prstGeom prst="rect">
+            <a:avLst/>
+          </a:prstGeom>
+        </p:spPr>
+        <p:style>
+          <a:lnRef idx="2">
+            <a:schemeClr val="accent1"/>
+          </a:lnRef>
+          <a:fillRef idx="1">
+            <a:schemeClr val="lt1"/>
+          </a:fillRef>
+          <a:effectRef idx="0">
+            <a:schemeClr val="accent1"/>
+          </a:effectRef>
+          <a:fontRef idx="minor">
+            <a:schemeClr val="dk1"/>
+          </a:fontRef>
+        </p:style>
+        <p:txBody>
+          <a:bodyPr rtlCol="0" anchor="ctr"/>
+          <a:lstStyle/>
+          <a:p>
+            <a:pPr algn="ctr"/>
+            <a:endParaRPr lang="zh-CN" altLang="en-US"/>
+          </a:p>
+        </p:txBody>
+      </p:sp>
+      <p:sp>
+        <p:nvSpPr>
+          <p:cNvPr id="20" name="矩形 19"/>
+          <p:cNvSpPr/>
+          <p:nvPr/>
+        </p:nvSpPr>
+        <p:spPr>
+          <a:xfrm>
+            <a:off x="1785918" y="3714752"/>
+            <a:ext cx="1143008" cy="357190"/>
+          </a:xfrm>
+          <a:prstGeom prst="rect">
+            <a:avLst/>
+          </a:prstGeom>
+        </p:spPr>
+        <p:style>
+          <a:lnRef idx="2">
+            <a:schemeClr val="accent1"/>
+          </a:lnRef>
+          <a:fillRef idx="1">
+            <a:schemeClr val="lt1"/>
+          </a:fillRef>
+          <a:effectRef idx="0">
+            <a:schemeClr val="accent1"/>
+          </a:effectRef>
+          <a:fontRef idx="minor">
+            <a:schemeClr val="dk1"/>
+          </a:fontRef>
+        </p:style>
+        <p:txBody>
+          <a:bodyPr rtlCol="0" anchor="ctr"/>
+          <a:lstStyle/>
+          <a:p>
+            <a:pPr algn="ctr"/>
+            <a:endParaRPr lang="zh-CN" altLang="en-US"/>
+          </a:p>
+        </p:txBody>
+      </p:sp>
+      <p:sp>
+        <p:nvSpPr>
+          <p:cNvPr id="21" name="矩形 20"/>
+          <p:cNvSpPr/>
+          <p:nvPr/>
+        </p:nvSpPr>
+        <p:spPr>
+          <a:xfrm>
+            <a:off x="1785918" y="4071942"/>
+            <a:ext cx="1143008" cy="357190"/>
+          </a:xfrm>
+          <a:prstGeom prst="rect">
+            <a:avLst/>
+          </a:prstGeom>
+        </p:spPr>
+        <p:style>
+          <a:lnRef idx="2">
+            <a:schemeClr val="accent1"/>
+          </a:lnRef>
+          <a:fillRef idx="1">
+            <a:schemeClr val="lt1"/>
+          </a:fillRef>
+          <a:effectRef idx="0">
+            <a:schemeClr val="accent1"/>
+          </a:effectRef>
+          <a:fontRef idx="minor">
+            <a:schemeClr val="dk1"/>
+          </a:fontRef>
+        </p:style>
+        <p:txBody>
+          <a:bodyPr rtlCol="0" anchor="ctr"/>
+          <a:lstStyle/>
+          <a:p>
+            <a:pPr algn="ctr"/>
+            <a:endParaRPr lang="zh-CN" altLang="en-US"/>
+          </a:p>
+        </p:txBody>
+      </p:sp>
+      <p:sp>
+        <p:nvSpPr>
+          <p:cNvPr id="22" name="矩形 21"/>
+          <p:cNvSpPr/>
+          <p:nvPr/>
+        </p:nvSpPr>
+        <p:spPr>
+          <a:xfrm>
+            <a:off x="1785918" y="4429132"/>
+            <a:ext cx="1143008" cy="357190"/>
+          </a:xfrm>
+          <a:prstGeom prst="rect">
+            <a:avLst/>
+          </a:prstGeom>
+        </p:spPr>
+        <p:style>
+          <a:lnRef idx="2">
+            <a:schemeClr val="accent1"/>
+          </a:lnRef>
+          <a:fillRef idx="1">
+            <a:schemeClr val="lt1"/>
+          </a:fillRef>
+          <a:effectRef idx="0">
+            <a:schemeClr val="accent1"/>
+          </a:effectRef>
+          <a:fontRef idx="minor">
+            <a:schemeClr val="dk1"/>
+          </a:fontRef>
+        </p:style>
+        <p:txBody>
+          <a:bodyPr rtlCol="0" anchor="ctr"/>
+          <a:lstStyle/>
+          <a:p>
+            <a:pPr algn="ctr"/>
+            <a:endParaRPr lang="zh-CN" altLang="en-US"/>
+          </a:p>
+        </p:txBody>
+      </p:sp>
+      <p:sp>
+        <p:nvSpPr>
+          <p:cNvPr id="23" name="矩形 22"/>
+          <p:cNvSpPr/>
+          <p:nvPr/>
+        </p:nvSpPr>
+        <p:spPr>
+          <a:xfrm>
+            <a:off x="1785918" y="4786322"/>
+            <a:ext cx="1143008" cy="357190"/>
+          </a:xfrm>
+          <a:prstGeom prst="rect">
+            <a:avLst/>
+          </a:prstGeom>
+        </p:spPr>
+        <p:style>
+          <a:lnRef idx="2">
+            <a:schemeClr val="accent1"/>
+          </a:lnRef>
+          <a:fillRef idx="1">
+            <a:schemeClr val="lt1"/>
+          </a:fillRef>
+          <a:effectRef idx="0">
+            <a:schemeClr val="accent1"/>
+          </a:effectRef>
+          <a:fontRef idx="minor">
+            <a:schemeClr val="dk1"/>
+          </a:fontRef>
+        </p:style>
+        <p:txBody>
+          <a:bodyPr rtlCol="0" anchor="ctr"/>
+          <a:lstStyle/>
+          <a:p>
+            <a:pPr algn="ctr"/>
+            <a:endParaRPr lang="zh-CN" altLang="en-US"/>
+          </a:p>
+        </p:txBody>
+      </p:sp>
+      <p:sp>
+        <p:nvSpPr>
+          <p:cNvPr id="24" name="矩形 23"/>
+          <p:cNvSpPr/>
+          <p:nvPr/>
+        </p:nvSpPr>
+        <p:spPr>
+          <a:xfrm>
+            <a:off x="1785918" y="5143512"/>
+            <a:ext cx="1143008" cy="357190"/>
+          </a:xfrm>
+          <a:prstGeom prst="rect">
+            <a:avLst/>
+          </a:prstGeom>
+        </p:spPr>
+        <p:style>
+          <a:lnRef idx="2">
+            <a:schemeClr val="accent1"/>
+          </a:lnRef>
+          <a:fillRef idx="1">
+            <a:schemeClr val="lt1"/>
+          </a:fillRef>
+          <a:effectRef idx="0">
+            <a:schemeClr val="accent1"/>
+          </a:effectRef>
+          <a:fontRef idx="minor">
+            <a:schemeClr val="dk1"/>
+          </a:fontRef>
+        </p:style>
+        <p:txBody>
+          <a:bodyPr rtlCol="0" anchor="ctr"/>
+          <a:lstStyle/>
+          <a:p>
+            <a:pPr algn="ctr"/>
+            <a:endParaRPr lang="zh-CN" altLang="en-US"/>
+          </a:p>
+        </p:txBody>
+      </p:sp>
+      <p:sp>
+        <p:nvSpPr>
+          <p:cNvPr id="25" name="矩形 24"/>
+          <p:cNvSpPr/>
+          <p:nvPr/>
+        </p:nvSpPr>
+        <p:spPr>
+          <a:xfrm>
+            <a:off x="4071934" y="1500174"/>
+            <a:ext cx="1143008" cy="357190"/>
+          </a:xfrm>
+          <a:prstGeom prst="rect">
+            <a:avLst/>
+          </a:prstGeom>
+        </p:spPr>
+        <p:style>
+          <a:lnRef idx="2">
+            <a:schemeClr val="accent1"/>
+          </a:lnRef>
+          <a:fillRef idx="1">
+            <a:schemeClr val="lt1"/>
+          </a:fillRef>
+          <a:effectRef idx="0">
+            <a:schemeClr val="accent1"/>
+          </a:effectRef>
+          <a:fontRef idx="minor">
+            <a:schemeClr val="dk1"/>
+          </a:fontRef>
+        </p:style>
+        <p:txBody>
+          <a:bodyPr rtlCol="0" anchor="ctr"/>
+          <a:lstStyle/>
+          <a:p>
+            <a:pPr algn="ctr"/>
+            <a:r>
+              <a:rPr lang="en-US" altLang="zh-CN" dirty="0" smtClean="0"/>
+              <a:t>OPCODE</a:t>
+            </a:r>
+            <a:endParaRPr lang="zh-CN" altLang="en-US" dirty="0"/>
+          </a:p>
+        </p:txBody>
+      </p:sp>
+      <p:sp>
+        <p:nvSpPr>
+          <p:cNvPr id="26" name="矩形 25"/>
+          <p:cNvSpPr/>
+          <p:nvPr/>
+        </p:nvSpPr>
+        <p:spPr>
+          <a:xfrm>
+            <a:off x="4071934" y="1857364"/>
+            <a:ext cx="1143008" cy="357190"/>
+          </a:xfrm>
+          <a:prstGeom prst="rect">
+            <a:avLst/>
+          </a:prstGeom>
+        </p:spPr>
+        <p:style>
+          <a:lnRef idx="2">
+            <a:schemeClr val="accent1"/>
+          </a:lnRef>
+          <a:fillRef idx="1">
+            <a:schemeClr val="lt1"/>
+          </a:fillRef>
+          <a:effectRef idx="0">
+            <a:schemeClr val="accent1"/>
+          </a:effectRef>
+          <a:fontRef idx="minor">
+            <a:schemeClr val="dk1"/>
+          </a:fontRef>
+        </p:style>
+        <p:txBody>
+          <a:bodyPr rtlCol="0" anchor="ctr"/>
+          <a:lstStyle/>
+          <a:p>
+            <a:pPr algn="ctr"/>
+            <a:endParaRPr lang="zh-CN" altLang="en-US"/>
+          </a:p>
+        </p:txBody>
+      </p:sp>
+      <p:sp>
+        <p:nvSpPr>
+          <p:cNvPr id="27" name="矩形 26"/>
+          <p:cNvSpPr/>
+          <p:nvPr/>
+        </p:nvSpPr>
+        <p:spPr>
+          <a:xfrm>
+            <a:off x="4071934" y="2214554"/>
+            <a:ext cx="1143008" cy="357190"/>
+          </a:xfrm>
+          <a:prstGeom prst="rect">
+            <a:avLst/>
+          </a:prstGeom>
+        </p:spPr>
+        <p:style>
+          <a:lnRef idx="2">
+            <a:schemeClr val="accent1"/>
+          </a:lnRef>
+          <a:fillRef idx="1">
+            <a:schemeClr val="lt1"/>
+          </a:fillRef>
+          <a:effectRef idx="0">
+            <a:schemeClr val="accent1"/>
+          </a:effectRef>
+          <a:fontRef idx="minor">
+            <a:schemeClr val="dk1"/>
+          </a:fontRef>
+        </p:style>
+        <p:txBody>
+          <a:bodyPr rtlCol="0" anchor="ctr"/>
+          <a:lstStyle/>
+          <a:p>
+            <a:pPr algn="ctr"/>
+            <a:r>
+              <a:rPr lang="en-US" altLang="zh-CN" sz="1600" dirty="0" smtClean="0"/>
+              <a:t>B</a:t>
+            </a:r>
+            <a:r>
+              <a:rPr lang="zh-CN" altLang="en-US" sz="1600" dirty="0" smtClean="0"/>
+              <a:t>函数调用</a:t>
+            </a:r>
+            <a:endParaRPr lang="zh-CN" altLang="en-US" sz="1600" dirty="0"/>
+          </a:p>
+        </p:txBody>
+      </p:sp>
+      <p:sp>
+        <p:nvSpPr>
+          <p:cNvPr id="28" name="矩形 27"/>
+          <p:cNvSpPr/>
+          <p:nvPr/>
+        </p:nvSpPr>
+        <p:spPr>
+          <a:xfrm>
+            <a:off x="4071934" y="2571744"/>
+            <a:ext cx="1143008" cy="357190"/>
+          </a:xfrm>
+          <a:prstGeom prst="rect">
+            <a:avLst/>
+          </a:prstGeom>
+        </p:spPr>
+        <p:style>
+          <a:lnRef idx="2">
+            <a:schemeClr val="accent1"/>
+          </a:lnRef>
+          <a:fillRef idx="1">
+            <a:schemeClr val="lt1"/>
+          </a:fillRef>
+          <a:effectRef idx="0">
+            <a:schemeClr val="accent1"/>
+          </a:effectRef>
+          <a:fontRef idx="minor">
+            <a:schemeClr val="dk1"/>
+          </a:fontRef>
+        </p:style>
+        <p:txBody>
+          <a:bodyPr rtlCol="0" anchor="ctr"/>
+          <a:lstStyle/>
+          <a:p>
+            <a:pPr algn="ctr"/>
+            <a:endParaRPr lang="zh-CN" altLang="en-US"/>
+          </a:p>
+        </p:txBody>
+      </p:sp>
+      <p:sp>
+        <p:nvSpPr>
+          <p:cNvPr id="29" name="矩形 28"/>
+          <p:cNvSpPr/>
+          <p:nvPr/>
+        </p:nvSpPr>
+        <p:spPr>
+          <a:xfrm>
+            <a:off x="4071934" y="2928934"/>
+            <a:ext cx="1143008" cy="357190"/>
+          </a:xfrm>
+          <a:prstGeom prst="rect">
+            <a:avLst/>
+          </a:prstGeom>
+        </p:spPr>
+        <p:style>
+          <a:lnRef idx="2">
+            <a:schemeClr val="accent1"/>
+          </a:lnRef>
+          <a:fillRef idx="1">
+            <a:schemeClr val="lt1"/>
+          </a:fillRef>
+          <a:effectRef idx="0">
+            <a:schemeClr val="accent1"/>
+          </a:effectRef>
+          <a:fontRef idx="minor">
+            <a:schemeClr val="dk1"/>
+          </a:fontRef>
+        </p:style>
+        <p:txBody>
+          <a:bodyPr rtlCol="0" anchor="ctr"/>
+          <a:lstStyle/>
+          <a:p>
+            <a:pPr algn="ctr"/>
+            <a:endParaRPr lang="zh-CN" altLang="en-US"/>
+          </a:p>
+        </p:txBody>
+      </p:sp>
+      <p:sp>
+        <p:nvSpPr>
+          <p:cNvPr id="30" name="矩形 29"/>
+          <p:cNvSpPr/>
+          <p:nvPr/>
+        </p:nvSpPr>
+        <p:spPr>
+          <a:xfrm>
+            <a:off x="4071934" y="3286124"/>
+            <a:ext cx="1143008" cy="357190"/>
+          </a:xfrm>
+          <a:prstGeom prst="rect">
+            <a:avLst/>
+          </a:prstGeom>
+        </p:spPr>
+        <p:style>
+          <a:lnRef idx="2">
+            <a:schemeClr val="accent1"/>
+          </a:lnRef>
+          <a:fillRef idx="1">
+            <a:schemeClr val="lt1"/>
+          </a:fillRef>
+          <a:effectRef idx="0">
+            <a:schemeClr val="accent1"/>
+          </a:effectRef>
+          <a:fontRef idx="minor">
+            <a:schemeClr val="dk1"/>
+          </a:fontRef>
+        </p:style>
+        <p:txBody>
+          <a:bodyPr rtlCol="0" anchor="ctr"/>
+          <a:lstStyle/>
+          <a:p>
+            <a:pPr algn="ctr"/>
+            <a:endParaRPr lang="zh-CN" altLang="en-US"/>
+          </a:p>
+        </p:txBody>
+      </p:sp>
+      <p:sp>
+        <p:nvSpPr>
+          <p:cNvPr id="31" name="矩形 30"/>
+          <p:cNvSpPr/>
+          <p:nvPr/>
+        </p:nvSpPr>
+        <p:spPr>
+          <a:xfrm>
+            <a:off x="6286512" y="2143116"/>
+            <a:ext cx="1143008" cy="357190"/>
+          </a:xfrm>
+          <a:prstGeom prst="rect">
+            <a:avLst/>
+          </a:prstGeom>
+        </p:spPr>
+        <p:style>
+          <a:lnRef idx="2">
+            <a:schemeClr val="accent1"/>
+          </a:lnRef>
+          <a:fillRef idx="1">
+            <a:schemeClr val="lt1"/>
+          </a:fillRef>
+          <a:effectRef idx="0">
+            <a:schemeClr val="accent1"/>
+          </a:effectRef>
+          <a:fontRef idx="minor">
+            <a:schemeClr val="dk1"/>
+          </a:fontRef>
+        </p:style>
+        <p:txBody>
+          <a:bodyPr rtlCol="0" anchor="ctr"/>
+          <a:lstStyle/>
+          <a:p>
+            <a:pPr algn="ctr"/>
+            <a:r>
+              <a:rPr lang="en-US" altLang="zh-CN" dirty="0" smtClean="0"/>
+              <a:t>OPCODE</a:t>
+            </a:r>
+            <a:endParaRPr lang="zh-CN" altLang="en-US" dirty="0"/>
+          </a:p>
+        </p:txBody>
+      </p:sp>
+      <p:sp>
+        <p:nvSpPr>
+          <p:cNvPr id="32" name="矩形 31"/>
+          <p:cNvSpPr/>
+          <p:nvPr/>
+        </p:nvSpPr>
+        <p:spPr>
+          <a:xfrm>
+            <a:off x="6286512" y="2500306"/>
+            <a:ext cx="1143008" cy="357190"/>
+          </a:xfrm>
+          <a:prstGeom prst="rect">
+            <a:avLst/>
+          </a:prstGeom>
+        </p:spPr>
+        <p:style>
+          <a:lnRef idx="2">
+            <a:schemeClr val="accent1"/>
+          </a:lnRef>
+          <a:fillRef idx="1">
+            <a:schemeClr val="lt1"/>
+          </a:fillRef>
+          <a:effectRef idx="0">
+            <a:schemeClr val="accent1"/>
+          </a:effectRef>
+          <a:fontRef idx="minor">
+            <a:schemeClr val="dk1"/>
+          </a:fontRef>
+        </p:style>
+        <p:txBody>
+          <a:bodyPr rtlCol="0" anchor="ctr"/>
+          <a:lstStyle/>
+          <a:p>
+            <a:pPr algn="ctr"/>
+            <a:endParaRPr lang="zh-CN" altLang="en-US"/>
+          </a:p>
+        </p:txBody>
+      </p:sp>
+      <p:sp>
+        <p:nvSpPr>
+          <p:cNvPr id="33" name="矩形 32"/>
+          <p:cNvSpPr/>
+          <p:nvPr/>
+        </p:nvSpPr>
+        <p:spPr>
+          <a:xfrm>
+            <a:off x="6286512" y="2857496"/>
+            <a:ext cx="1143008" cy="357190"/>
+          </a:xfrm>
+          <a:prstGeom prst="rect">
+            <a:avLst/>
+          </a:prstGeom>
+        </p:spPr>
+        <p:style>
+          <a:lnRef idx="2">
+            <a:schemeClr val="accent1"/>
+          </a:lnRef>
+          <a:fillRef idx="1">
+            <a:schemeClr val="lt1"/>
+          </a:fillRef>
+          <a:effectRef idx="0">
+            <a:schemeClr val="accent1"/>
+          </a:effectRef>
+          <a:fontRef idx="minor">
+            <a:schemeClr val="dk1"/>
+          </a:fontRef>
+        </p:style>
+        <p:txBody>
+          <a:bodyPr rtlCol="0" anchor="ctr"/>
+          <a:lstStyle/>
+          <a:p>
+            <a:pPr algn="ctr"/>
+            <a:endParaRPr lang="zh-CN" altLang="en-US"/>
+          </a:p>
+        </p:txBody>
+      </p:sp>
+      <p:sp>
+        <p:nvSpPr>
+          <p:cNvPr id="34" name="矩形 33"/>
+          <p:cNvSpPr/>
+          <p:nvPr/>
+        </p:nvSpPr>
+        <p:spPr>
+          <a:xfrm>
+            <a:off x="6286512" y="3214686"/>
+            <a:ext cx="1143008" cy="357190"/>
+          </a:xfrm>
+          <a:prstGeom prst="rect">
+            <a:avLst/>
+          </a:prstGeom>
+        </p:spPr>
+        <p:style>
+          <a:lnRef idx="2">
+            <a:schemeClr val="accent1"/>
+          </a:lnRef>
+          <a:fillRef idx="1">
+            <a:schemeClr val="lt1"/>
+          </a:fillRef>
+          <a:effectRef idx="0">
+            <a:schemeClr val="accent1"/>
+          </a:effectRef>
+          <a:fontRef idx="minor">
+            <a:schemeClr val="dk1"/>
+          </a:fontRef>
+        </p:style>
+        <p:txBody>
+          <a:bodyPr rtlCol="0" anchor="ctr"/>
+          <a:lstStyle/>
+          <a:p>
+            <a:pPr algn="ctr"/>
+            <a:endParaRPr lang="zh-CN" altLang="en-US"/>
+          </a:p>
+        </p:txBody>
+      </p:sp>
+      <p:sp>
+        <p:nvSpPr>
+          <p:cNvPr id="35" name="矩形 34"/>
+          <p:cNvSpPr/>
+          <p:nvPr/>
+        </p:nvSpPr>
+        <p:spPr>
+          <a:xfrm>
+            <a:off x="6286512" y="3571876"/>
+            <a:ext cx="1143008" cy="357190"/>
+          </a:xfrm>
+          <a:prstGeom prst="rect">
+            <a:avLst/>
+          </a:prstGeom>
+        </p:spPr>
+        <p:style>
+          <a:lnRef idx="2">
+            <a:schemeClr val="accent1"/>
+          </a:lnRef>
+          <a:fillRef idx="1">
+            <a:schemeClr val="lt1"/>
+          </a:fillRef>
+          <a:effectRef idx="0">
+            <a:schemeClr val="accent1"/>
+          </a:effectRef>
+          <a:fontRef idx="minor">
+            <a:schemeClr val="dk1"/>
+          </a:fontRef>
+        </p:style>
+        <p:txBody>
+          <a:bodyPr rtlCol="0" anchor="ctr"/>
+          <a:lstStyle/>
+          <a:p>
+            <a:pPr algn="ctr"/>
+            <a:endParaRPr lang="zh-CN" altLang="en-US"/>
+          </a:p>
+        </p:txBody>
+      </p:sp>
+      <p:sp>
+        <p:nvSpPr>
+          <p:cNvPr id="36" name="矩形 35"/>
+          <p:cNvSpPr/>
+          <p:nvPr/>
+        </p:nvSpPr>
+        <p:spPr>
+          <a:xfrm>
+            <a:off x="6286512" y="3929066"/>
+            <a:ext cx="1143008" cy="357190"/>
+          </a:xfrm>
+          <a:prstGeom prst="rect">
+            <a:avLst/>
+          </a:prstGeom>
+        </p:spPr>
+        <p:style>
+          <a:lnRef idx="2">
+            <a:schemeClr val="accent1"/>
+          </a:lnRef>
+          <a:fillRef idx="1">
+            <a:schemeClr val="lt1"/>
+          </a:fillRef>
+          <a:effectRef idx="0">
+            <a:schemeClr val="accent1"/>
+          </a:effectRef>
+          <a:fontRef idx="minor">
+            <a:schemeClr val="dk1"/>
+          </a:fontRef>
+        </p:style>
+        <p:txBody>
+          <a:bodyPr rtlCol="0" anchor="ctr"/>
+          <a:lstStyle/>
+          <a:p>
+            <a:pPr algn="ctr"/>
+            <a:endParaRPr lang="zh-CN" altLang="en-US"/>
+          </a:p>
+        </p:txBody>
+      </p:sp>
+      <p:cxnSp>
+        <p:nvCxnSpPr>
+          <p:cNvPr id="38" name="直接箭头连接符 37"/>
+          <p:cNvCxnSpPr>
+            <a:endCxn id="25" idx="1"/>
+          </p:cNvCxnSpPr>
+          <p:nvPr/>
+        </p:nvCxnSpPr>
+        <p:spPr>
+          <a:xfrm flipV="1">
+            <a:off x="2928926" y="1678769"/>
+            <a:ext cx="1143008" cy="607223"/>
+          </a:xfrm>
+          <a:prstGeom prst="straightConnector1">
+            <a:avLst/>
+          </a:prstGeom>
+          <a:ln>
+            <a:tailEnd type="arrow"/>
+          </a:ln>
+        </p:spPr>
+        <p:style>
+          <a:lnRef idx="1">
+            <a:schemeClr val="accent1"/>
+          </a:lnRef>
+          <a:fillRef idx="0">
+            <a:schemeClr val="accent1"/>
+          </a:fillRef>
+          <a:effectRef idx="0">
+            <a:schemeClr val="accent1"/>
+          </a:effectRef>
+          <a:fontRef idx="minor">
+            <a:schemeClr val="tx1"/>
+          </a:fontRef>
+        </p:style>
+      </p:cxnSp>
+      <p:cxnSp>
+        <p:nvCxnSpPr>
+          <p:cNvPr id="40" name="直接箭头连接符 39"/>
+          <p:cNvCxnSpPr>
+            <a:stCxn id="30" idx="1"/>
+          </p:cNvCxnSpPr>
+          <p:nvPr/>
+        </p:nvCxnSpPr>
+        <p:spPr>
+          <a:xfrm rot="10800000">
+            <a:off x="3000364" y="2285993"/>
+            <a:ext cx="1071570" cy="1178727"/>
+          </a:xfrm>
+          <a:prstGeom prst="straightConnector1">
+            <a:avLst/>
+          </a:prstGeom>
+          <a:ln>
+            <a:tailEnd type="arrow"/>
+          </a:ln>
+        </p:spPr>
+        <p:style>
+          <a:lnRef idx="1">
+            <a:schemeClr val="accent1"/>
+          </a:lnRef>
+          <a:fillRef idx="0">
+            <a:schemeClr val="accent1"/>
+          </a:fillRef>
+          <a:effectRef idx="0">
+            <a:schemeClr val="accent1"/>
+          </a:effectRef>
+          <a:fontRef idx="minor">
+            <a:schemeClr val="tx1"/>
+          </a:fontRef>
+        </p:style>
+      </p:cxnSp>
+      <p:cxnSp>
+        <p:nvCxnSpPr>
+          <p:cNvPr id="41" name="直接箭头连接符 40"/>
+          <p:cNvCxnSpPr>
+            <a:endCxn id="31" idx="1"/>
+          </p:cNvCxnSpPr>
+          <p:nvPr/>
+        </p:nvCxnSpPr>
+        <p:spPr>
+          <a:xfrm flipV="1">
+            <a:off x="5214942" y="2321711"/>
+            <a:ext cx="1071570" cy="214315"/>
+          </a:xfrm>
+          <a:prstGeom prst="straightConnector1">
+            <a:avLst/>
+          </a:prstGeom>
+          <a:ln>
+            <a:tailEnd type="arrow"/>
+          </a:ln>
+        </p:spPr>
+        <p:style>
+          <a:lnRef idx="1">
+            <a:schemeClr val="accent1"/>
+          </a:lnRef>
+          <a:fillRef idx="0">
+            <a:schemeClr val="accent1"/>
+          </a:fillRef>
+          <a:effectRef idx="0">
+            <a:schemeClr val="accent1"/>
+          </a:effectRef>
+          <a:fontRef idx="minor">
+            <a:schemeClr val="tx1"/>
+          </a:fontRef>
+        </p:style>
+      </p:cxnSp>
+      <p:cxnSp>
+        <p:nvCxnSpPr>
+          <p:cNvPr id="43" name="直接箭头连接符 42"/>
+          <p:cNvCxnSpPr/>
+          <p:nvPr/>
+        </p:nvCxnSpPr>
+        <p:spPr>
+          <a:xfrm rot="16200000" flipV="1">
+            <a:off x="4982768" y="2732480"/>
+            <a:ext cx="1535918" cy="1071570"/>
+          </a:xfrm>
+          <a:prstGeom prst="straightConnector1">
+            <a:avLst/>
+          </a:prstGeom>
+          <a:ln>
+            <a:tailEnd type="arrow"/>
+          </a:ln>
+        </p:spPr>
+        <p:style>
+          <a:lnRef idx="1">
+            <a:schemeClr val="accent1"/>
+          </a:lnRef>
+          <a:fillRef idx="0">
+            <a:schemeClr val="accent1"/>
+          </a:fillRef>
+          <a:effectRef idx="0">
+            <a:schemeClr val="accent1"/>
+          </a:effectRef>
+          <a:fontRef idx="minor">
+            <a:schemeClr val="tx1"/>
+          </a:fontRef>
+        </p:style>
+      </p:cxnSp>
+      <p:sp>
+        <p:nvSpPr>
+          <p:cNvPr id="45" name="下箭头 44"/>
+          <p:cNvSpPr/>
+          <p:nvPr/>
+        </p:nvSpPr>
+        <p:spPr>
+          <a:xfrm>
+            <a:off x="4572000" y="500042"/>
+            <a:ext cx="357190" cy="928694"/>
+          </a:xfrm>
+          <a:prstGeom prst="downArrow">
+            <a:avLst/>
+          </a:prstGeom>
+        </p:spPr>
+        <p:style>
+          <a:lnRef idx="2">
+            <a:schemeClr val="accent4">
+              <a:shade val="50000"/>
+            </a:schemeClr>
+          </a:lnRef>
+          <a:fillRef idx="1">
+            <a:schemeClr val="accent4"/>
+          </a:fillRef>
+          <a:effectRef idx="0">
+            <a:schemeClr val="accent4"/>
+          </a:effectRef>
+          <a:fontRef idx="minor">
+            <a:schemeClr val="lt1"/>
+          </a:fontRef>
+        </p:style>
+        <p:txBody>
+          <a:bodyPr rtlCol="0" anchor="ctr"/>
+          <a:lstStyle/>
+          <a:p>
+            <a:pPr algn="ctr"/>
+            <a:r>
+              <a:rPr lang="en-US" altLang="zh-CN" dirty="0" smtClean="0"/>
+              <a:t>A</a:t>
+            </a:r>
+            <a:r>
+              <a:rPr lang="zh-CN" altLang="en-US" dirty="0" smtClean="0"/>
+              <a:t>函数</a:t>
+            </a:r>
+            <a:endParaRPr lang="zh-CN" altLang="en-US" dirty="0"/>
+          </a:p>
+        </p:txBody>
+      </p:sp>
+      <p:sp>
+        <p:nvSpPr>
+          <p:cNvPr id="47" name="下箭头 46"/>
+          <p:cNvSpPr/>
+          <p:nvPr/>
+        </p:nvSpPr>
+        <p:spPr>
+          <a:xfrm>
+            <a:off x="6786578" y="1000108"/>
+            <a:ext cx="357190" cy="928694"/>
+          </a:xfrm>
+          <a:prstGeom prst="downArrow">
+            <a:avLst/>
+          </a:prstGeom>
+        </p:spPr>
+        <p:style>
+          <a:lnRef idx="2">
+            <a:schemeClr val="accent4">
+              <a:shade val="50000"/>
+            </a:schemeClr>
+          </a:lnRef>
+          <a:fillRef idx="1">
+            <a:schemeClr val="accent4"/>
+          </a:fillRef>
+          <a:effectRef idx="0">
+            <a:schemeClr val="accent4"/>
+          </a:effectRef>
+          <a:fontRef idx="minor">
+            <a:schemeClr val="lt1"/>
+          </a:fontRef>
+        </p:style>
+        <p:txBody>
+          <a:bodyPr rtlCol="0" anchor="ctr"/>
+          <a:lstStyle/>
+          <a:p>
+            <a:pPr algn="ctr"/>
+            <a:r>
+              <a:rPr lang="en-US" altLang="zh-CN" dirty="0" smtClean="0"/>
+              <a:t>B</a:t>
+            </a:r>
+            <a:r>
+              <a:rPr lang="zh-CN" altLang="en-US" dirty="0" smtClean="0"/>
+              <a:t>函数</a:t>
+            </a:r>
+            <a:endParaRPr lang="zh-CN" altLang="en-US" dirty="0"/>
+          </a:p>
+        </p:txBody>
+      </p:sp>
+      <p:sp>
+        <p:nvSpPr>
+          <p:cNvPr id="48" name="下箭头 47"/>
+          <p:cNvSpPr/>
+          <p:nvPr/>
+        </p:nvSpPr>
+        <p:spPr>
+          <a:xfrm>
+            <a:off x="2143108" y="214290"/>
+            <a:ext cx="357190" cy="928694"/>
+          </a:xfrm>
+          <a:prstGeom prst="downArrow">
+            <a:avLst/>
+          </a:prstGeom>
+        </p:spPr>
+        <p:style>
+          <a:lnRef idx="2">
+            <a:schemeClr val="accent4">
+              <a:shade val="50000"/>
+            </a:schemeClr>
+          </a:lnRef>
+          <a:fillRef idx="1">
+            <a:schemeClr val="accent4"/>
+          </a:fillRef>
+          <a:effectRef idx="0">
+            <a:schemeClr val="accent4"/>
+          </a:effectRef>
+          <a:fontRef idx="minor">
+            <a:schemeClr val="lt1"/>
+          </a:fontRef>
+        </p:style>
+        <p:txBody>
+          <a:bodyPr rtlCol="0" anchor="ctr"/>
+          <a:lstStyle/>
+          <a:p>
+            <a:pPr algn="ctr"/>
+            <a:r>
+              <a:rPr lang="zh-CN" altLang="en-US" dirty="0" smtClean="0"/>
+              <a:t>主</a:t>
+            </a:r>
+            <a:endParaRPr lang="en-US" altLang="zh-CN" dirty="0" smtClean="0"/>
+          </a:p>
+          <a:p>
+            <a:pPr algn="ctr"/>
+            <a:r>
+              <a:rPr lang="zh-CN" altLang="en-US" dirty="0" smtClean="0"/>
+              <a:t>函数</a:t>
             </a:r>
             <a:endParaRPr lang="zh-CN" altLang="en-US" dirty="0"/>
           </a:p>
